--- a/ppt_figs/figs.pptx
+++ b/ppt_figs/figs.pptx
@@ -6,6 +6,7 @@
   </p:sldMasterIdLst>
   <p:sldIdLst>
     <p:sldId id="256" r:id="rId2"/>
+    <p:sldId id="257" r:id="rId3"/>
   </p:sldIdLst>
   <p:sldSz cx="12192000" cy="6858000"/>
   <p:notesSz cx="6858000" cy="9144000"/>
@@ -104,6 +105,11 @@
       </a:defRPr>
     </a:lvl9pPr>
   </p:defaultTextStyle>
+  <p:extLst>
+    <p:ext uri="{EFAFB233-063F-42B5-8137-9DF3F51BA10A}">
+      <p15:sldGuideLst xmlns:p15="http://schemas.microsoft.com/office/powerpoint/2012/main"/>
+    </p:ext>
+  </p:extLst>
 </p:presentation>
 </file>
 
@@ -256,7 +262,7 @@
           <a:p>
             <a:fld id="{5B088E16-F881-3444-AE30-6CE9CA0A1C97}" type="datetimeFigureOut">
               <a:rPr kumimoji="1" lang="ja-JP" altLang="en-US" smtClean="0"/>
-              <a:t>2021/8/20</a:t>
+              <a:t>2021/9/30</a:t>
             </a:fld>
             <a:endParaRPr kumimoji="1" lang="ja-JP" altLang="en-US"/>
           </a:p>
@@ -456,7 +462,7 @@
           <a:p>
             <a:fld id="{5B088E16-F881-3444-AE30-6CE9CA0A1C97}" type="datetimeFigureOut">
               <a:rPr kumimoji="1" lang="ja-JP" altLang="en-US" smtClean="0"/>
-              <a:t>2021/8/20</a:t>
+              <a:t>2021/9/30</a:t>
             </a:fld>
             <a:endParaRPr kumimoji="1" lang="ja-JP" altLang="en-US"/>
           </a:p>
@@ -666,7 +672,7 @@
           <a:p>
             <a:fld id="{5B088E16-F881-3444-AE30-6CE9CA0A1C97}" type="datetimeFigureOut">
               <a:rPr kumimoji="1" lang="ja-JP" altLang="en-US" smtClean="0"/>
-              <a:t>2021/8/20</a:t>
+              <a:t>2021/9/30</a:t>
             </a:fld>
             <a:endParaRPr kumimoji="1" lang="ja-JP" altLang="en-US"/>
           </a:p>
@@ -866,7 +872,7 @@
           <a:p>
             <a:fld id="{5B088E16-F881-3444-AE30-6CE9CA0A1C97}" type="datetimeFigureOut">
               <a:rPr kumimoji="1" lang="ja-JP" altLang="en-US" smtClean="0"/>
-              <a:t>2021/8/20</a:t>
+              <a:t>2021/9/30</a:t>
             </a:fld>
             <a:endParaRPr kumimoji="1" lang="ja-JP" altLang="en-US"/>
           </a:p>
@@ -1142,7 +1148,7 @@
           <a:p>
             <a:fld id="{5B088E16-F881-3444-AE30-6CE9CA0A1C97}" type="datetimeFigureOut">
               <a:rPr kumimoji="1" lang="ja-JP" altLang="en-US" smtClean="0"/>
-              <a:t>2021/8/20</a:t>
+              <a:t>2021/9/30</a:t>
             </a:fld>
             <a:endParaRPr kumimoji="1" lang="ja-JP" altLang="en-US"/>
           </a:p>
@@ -1410,7 +1416,7 @@
           <a:p>
             <a:fld id="{5B088E16-F881-3444-AE30-6CE9CA0A1C97}" type="datetimeFigureOut">
               <a:rPr kumimoji="1" lang="ja-JP" altLang="en-US" smtClean="0"/>
-              <a:t>2021/8/20</a:t>
+              <a:t>2021/9/30</a:t>
             </a:fld>
             <a:endParaRPr kumimoji="1" lang="ja-JP" altLang="en-US"/>
           </a:p>
@@ -1825,7 +1831,7 @@
           <a:p>
             <a:fld id="{5B088E16-F881-3444-AE30-6CE9CA0A1C97}" type="datetimeFigureOut">
               <a:rPr kumimoji="1" lang="ja-JP" altLang="en-US" smtClean="0"/>
-              <a:t>2021/8/20</a:t>
+              <a:t>2021/9/30</a:t>
             </a:fld>
             <a:endParaRPr kumimoji="1" lang="ja-JP" altLang="en-US"/>
           </a:p>
@@ -1967,7 +1973,7 @@
           <a:p>
             <a:fld id="{5B088E16-F881-3444-AE30-6CE9CA0A1C97}" type="datetimeFigureOut">
               <a:rPr kumimoji="1" lang="ja-JP" altLang="en-US" smtClean="0"/>
-              <a:t>2021/8/20</a:t>
+              <a:t>2021/9/30</a:t>
             </a:fld>
             <a:endParaRPr kumimoji="1" lang="ja-JP" altLang="en-US"/>
           </a:p>
@@ -2080,7 +2086,7 @@
           <a:p>
             <a:fld id="{5B088E16-F881-3444-AE30-6CE9CA0A1C97}" type="datetimeFigureOut">
               <a:rPr kumimoji="1" lang="ja-JP" altLang="en-US" smtClean="0"/>
-              <a:t>2021/8/20</a:t>
+              <a:t>2021/9/30</a:t>
             </a:fld>
             <a:endParaRPr kumimoji="1" lang="ja-JP" altLang="en-US"/>
           </a:p>
@@ -2393,7 +2399,7 @@
           <a:p>
             <a:fld id="{5B088E16-F881-3444-AE30-6CE9CA0A1C97}" type="datetimeFigureOut">
               <a:rPr kumimoji="1" lang="ja-JP" altLang="en-US" smtClean="0"/>
-              <a:t>2021/8/20</a:t>
+              <a:t>2021/9/30</a:t>
             </a:fld>
             <a:endParaRPr kumimoji="1" lang="ja-JP" altLang="en-US"/>
           </a:p>
@@ -2682,7 +2688,7 @@
           <a:p>
             <a:fld id="{5B088E16-F881-3444-AE30-6CE9CA0A1C97}" type="datetimeFigureOut">
               <a:rPr kumimoji="1" lang="ja-JP" altLang="en-US" smtClean="0"/>
-              <a:t>2021/8/20</a:t>
+              <a:t>2021/9/30</a:t>
             </a:fld>
             <a:endParaRPr kumimoji="1" lang="ja-JP" altLang="en-US"/>
           </a:p>
@@ -2925,7 +2931,7 @@
           <a:p>
             <a:fld id="{5B088E16-F881-3444-AE30-6CE9CA0A1C97}" type="datetimeFigureOut">
               <a:rPr kumimoji="1" lang="ja-JP" altLang="en-US" smtClean="0"/>
-              <a:t>2021/8/20</a:t>
+              <a:t>2021/9/30</a:t>
             </a:fld>
             <a:endParaRPr kumimoji="1" lang="ja-JP" altLang="en-US"/>
           </a:p>
@@ -7212,6 +7218,823 @@
 </p:sld>
 </file>
 
+<file path=ppt/slides/slide2.xml><?xml version="1.0" encoding="utf-8"?>
+<p:sld xmlns:a="http://schemas.openxmlformats.org/drawingml/2006/main" xmlns:r="http://schemas.openxmlformats.org/officeDocument/2006/relationships" xmlns:p="http://schemas.openxmlformats.org/presentationml/2006/main">
+  <p:cSld>
+    <p:spTree>
+      <p:nvGrpSpPr>
+        <p:cNvPr id="1" name=""/>
+        <p:cNvGrpSpPr/>
+        <p:nvPr/>
+      </p:nvGrpSpPr>
+      <p:grpSpPr>
+        <a:xfrm>
+          <a:off x="0" y="0"/>
+          <a:ext cx="0" cy="0"/>
+          <a:chOff x="0" y="0"/>
+          <a:chExt cx="0" cy="0"/>
+        </a:xfrm>
+      </p:grpSpPr>
+      <p:cxnSp>
+        <p:nvCxnSpPr>
+          <p:cNvPr id="3" name="Straight Arrow Connector 2">
+            <a:extLst>
+              <a:ext uri="{FF2B5EF4-FFF2-40B4-BE49-F238E27FC236}">
+                <a16:creationId xmlns:a16="http://schemas.microsoft.com/office/drawing/2014/main" id="{1B9EDFD2-0093-714F-BBC9-E83CAEA14125}"/>
+              </a:ext>
+            </a:extLst>
+          </p:cNvPr>
+          <p:cNvCxnSpPr>
+            <a:cxnSpLocks/>
+          </p:cNvCxnSpPr>
+          <p:nvPr/>
+        </p:nvCxnSpPr>
+        <p:spPr>
+          <a:xfrm>
+            <a:off x="1714500" y="3690257"/>
+            <a:ext cx="8109857" cy="0"/>
+          </a:xfrm>
+          <a:prstGeom prst="straightConnector1">
+            <a:avLst/>
+          </a:prstGeom>
+          <a:ln w="38100">
+            <a:tailEnd type="triangle"/>
+          </a:ln>
+        </p:spPr>
+        <p:style>
+          <a:lnRef idx="1">
+            <a:schemeClr val="dk1"/>
+          </a:lnRef>
+          <a:fillRef idx="0">
+            <a:schemeClr val="dk1"/>
+          </a:fillRef>
+          <a:effectRef idx="0">
+            <a:schemeClr val="dk1"/>
+          </a:effectRef>
+          <a:fontRef idx="minor">
+            <a:schemeClr val="tx1"/>
+          </a:fontRef>
+        </p:style>
+      </p:cxnSp>
+      <p:sp>
+        <p:nvSpPr>
+          <p:cNvPr id="4" name="Rounded Rectangle 3">
+            <a:extLst>
+              <a:ext uri="{FF2B5EF4-FFF2-40B4-BE49-F238E27FC236}">
+                <a16:creationId xmlns:a16="http://schemas.microsoft.com/office/drawing/2014/main" id="{AD8C5756-8BBC-134F-B1B8-0F2DCAF668D6}"/>
+              </a:ext>
+            </a:extLst>
+          </p:cNvPr>
+          <p:cNvSpPr/>
+          <p:nvPr/>
+        </p:nvSpPr>
+        <p:spPr>
+          <a:xfrm>
+            <a:off x="2198915" y="2318652"/>
+            <a:ext cx="1654628" cy="1121227"/>
+          </a:xfrm>
+          <a:prstGeom prst="roundRect">
+            <a:avLst/>
+          </a:prstGeom>
+          <a:noFill/>
+          <a:ln w="38100">
+            <a:solidFill>
+              <a:schemeClr val="tx1"/>
+            </a:solidFill>
+            <a:prstDash val="sysDot"/>
+          </a:ln>
+        </p:spPr>
+        <p:style>
+          <a:lnRef idx="2">
+            <a:schemeClr val="accent1">
+              <a:shade val="50000"/>
+            </a:schemeClr>
+          </a:lnRef>
+          <a:fillRef idx="1">
+            <a:schemeClr val="accent1"/>
+          </a:fillRef>
+          <a:effectRef idx="0">
+            <a:schemeClr val="accent1"/>
+          </a:effectRef>
+          <a:fontRef idx="minor">
+            <a:schemeClr val="lt1"/>
+          </a:fontRef>
+        </p:style>
+        <p:txBody>
+          <a:bodyPr rtlCol="0" anchor="ctr"/>
+          <a:lstStyle/>
+          <a:p>
+            <a:pPr algn="ctr"/>
+            <a:r>
+              <a:rPr kumimoji="1" lang="en-US" altLang="ja-JP" dirty="0">
+                <a:solidFill>
+                  <a:schemeClr val="tx1"/>
+                </a:solidFill>
+                <a:latin typeface="Times New Roman" panose="02020603050405020304" pitchFamily="18" charset="0"/>
+                <a:cs typeface="Times New Roman" panose="02020603050405020304" pitchFamily="18" charset="0"/>
+              </a:rPr>
+              <a:t>ErA under </a:t>
+            </a:r>
+            <a:br>
+              <a:rPr kumimoji="1" lang="en-US" altLang="ja-JP" dirty="0">
+                <a:solidFill>
+                  <a:schemeClr val="tx1"/>
+                </a:solidFill>
+                <a:latin typeface="Times New Roman" panose="02020603050405020304" pitchFamily="18" charset="0"/>
+                <a:cs typeface="Times New Roman" panose="02020603050405020304" pitchFamily="18" charset="0"/>
+              </a:rPr>
+            </a:br>
+            <a:r>
+              <a:rPr kumimoji="1" lang="en-US" altLang="ja-JP" dirty="0">
+                <a:solidFill>
+                  <a:schemeClr val="tx1"/>
+                </a:solidFill>
+                <a:latin typeface="Times New Roman" panose="02020603050405020304" pitchFamily="18" charset="0"/>
+                <a:cs typeface="Times New Roman" panose="02020603050405020304" pitchFamily="18" charset="0"/>
+              </a:rPr>
+              <a:t>SLR 0.0 event</a:t>
+            </a:r>
+            <a:endParaRPr kumimoji="1" lang="ja-JP" altLang="en-US">
+              <a:solidFill>
+                <a:schemeClr val="tx1"/>
+              </a:solidFill>
+              <a:latin typeface="Times New Roman" panose="02020603050405020304" pitchFamily="18" charset="0"/>
+              <a:cs typeface="Times New Roman" panose="02020603050405020304" pitchFamily="18" charset="0"/>
+            </a:endParaRPr>
+          </a:p>
+        </p:txBody>
+      </p:sp>
+      <p:sp>
+        <p:nvSpPr>
+          <p:cNvPr id="5" name="Rounded Rectangle 4">
+            <a:extLst>
+              <a:ext uri="{FF2B5EF4-FFF2-40B4-BE49-F238E27FC236}">
+                <a16:creationId xmlns:a16="http://schemas.microsoft.com/office/drawing/2014/main" id="{F47AE094-F7B5-2140-A8FF-F05E3A71DC7F}"/>
+              </a:ext>
+            </a:extLst>
+          </p:cNvPr>
+          <p:cNvSpPr/>
+          <p:nvPr/>
+        </p:nvSpPr>
+        <p:spPr>
+          <a:xfrm>
+            <a:off x="4114801" y="2318652"/>
+            <a:ext cx="1654628" cy="1121227"/>
+          </a:xfrm>
+          <a:prstGeom prst="roundRect">
+            <a:avLst/>
+          </a:prstGeom>
+          <a:noFill/>
+          <a:ln w="38100">
+            <a:solidFill>
+              <a:schemeClr val="tx1"/>
+            </a:solidFill>
+            <a:prstDash val="sysDot"/>
+          </a:ln>
+        </p:spPr>
+        <p:style>
+          <a:lnRef idx="2">
+            <a:schemeClr val="accent1">
+              <a:shade val="50000"/>
+            </a:schemeClr>
+          </a:lnRef>
+          <a:fillRef idx="1">
+            <a:schemeClr val="accent1"/>
+          </a:fillRef>
+          <a:effectRef idx="0">
+            <a:schemeClr val="accent1"/>
+          </a:effectRef>
+          <a:fontRef idx="minor">
+            <a:schemeClr val="lt1"/>
+          </a:fontRef>
+        </p:style>
+        <p:txBody>
+          <a:bodyPr rtlCol="0" anchor="ctr"/>
+          <a:lstStyle/>
+          <a:p>
+            <a:pPr algn="ctr"/>
+            <a:r>
+              <a:rPr kumimoji="1" lang="en-US" altLang="ja-JP" dirty="0">
+                <a:solidFill>
+                  <a:schemeClr val="tx1"/>
+                </a:solidFill>
+                <a:latin typeface="Times New Roman" panose="02020603050405020304" pitchFamily="18" charset="0"/>
+                <a:cs typeface="Times New Roman" panose="02020603050405020304" pitchFamily="18" charset="0"/>
+              </a:rPr>
+              <a:t>ErA under </a:t>
+            </a:r>
+            <a:br>
+              <a:rPr kumimoji="1" lang="en-US" altLang="ja-JP" dirty="0">
+                <a:solidFill>
+                  <a:schemeClr val="tx1"/>
+                </a:solidFill>
+                <a:latin typeface="Times New Roman" panose="02020603050405020304" pitchFamily="18" charset="0"/>
+                <a:cs typeface="Times New Roman" panose="02020603050405020304" pitchFamily="18" charset="0"/>
+              </a:rPr>
+            </a:br>
+            <a:r>
+              <a:rPr kumimoji="1" lang="en-US" altLang="ja-JP" dirty="0">
+                <a:solidFill>
+                  <a:schemeClr val="tx1"/>
+                </a:solidFill>
+                <a:latin typeface="Times New Roman" panose="02020603050405020304" pitchFamily="18" charset="0"/>
+                <a:cs typeface="Times New Roman" panose="02020603050405020304" pitchFamily="18" charset="0"/>
+              </a:rPr>
+              <a:t>SLR 0.3 event</a:t>
+            </a:r>
+            <a:endParaRPr kumimoji="1" lang="ja-JP" altLang="en-US">
+              <a:solidFill>
+                <a:schemeClr val="tx1"/>
+              </a:solidFill>
+              <a:latin typeface="Times New Roman" panose="02020603050405020304" pitchFamily="18" charset="0"/>
+              <a:cs typeface="Times New Roman" panose="02020603050405020304" pitchFamily="18" charset="0"/>
+            </a:endParaRPr>
+          </a:p>
+        </p:txBody>
+      </p:sp>
+      <p:sp>
+        <p:nvSpPr>
+          <p:cNvPr id="6" name="Rounded Rectangle 5">
+            <a:extLst>
+              <a:ext uri="{FF2B5EF4-FFF2-40B4-BE49-F238E27FC236}">
+                <a16:creationId xmlns:a16="http://schemas.microsoft.com/office/drawing/2014/main" id="{087545E4-686E-3644-B323-5CCBF232B9A9}"/>
+              </a:ext>
+            </a:extLst>
+          </p:cNvPr>
+          <p:cNvSpPr/>
+          <p:nvPr/>
+        </p:nvSpPr>
+        <p:spPr>
+          <a:xfrm>
+            <a:off x="6030687" y="2318652"/>
+            <a:ext cx="1654628" cy="1121227"/>
+          </a:xfrm>
+          <a:prstGeom prst="roundRect">
+            <a:avLst/>
+          </a:prstGeom>
+          <a:noFill/>
+          <a:ln w="38100">
+            <a:solidFill>
+              <a:schemeClr val="tx1"/>
+            </a:solidFill>
+            <a:prstDash val="sysDot"/>
+          </a:ln>
+        </p:spPr>
+        <p:style>
+          <a:lnRef idx="2">
+            <a:schemeClr val="accent1">
+              <a:shade val="50000"/>
+            </a:schemeClr>
+          </a:lnRef>
+          <a:fillRef idx="1">
+            <a:schemeClr val="accent1"/>
+          </a:fillRef>
+          <a:effectRef idx="0">
+            <a:schemeClr val="accent1"/>
+          </a:effectRef>
+          <a:fontRef idx="minor">
+            <a:schemeClr val="lt1"/>
+          </a:fontRef>
+        </p:style>
+        <p:txBody>
+          <a:bodyPr rtlCol="0" anchor="ctr"/>
+          <a:lstStyle/>
+          <a:p>
+            <a:pPr algn="ctr"/>
+            <a:r>
+              <a:rPr kumimoji="1" lang="en-US" altLang="ja-JP" dirty="0">
+                <a:solidFill>
+                  <a:schemeClr val="tx1"/>
+                </a:solidFill>
+                <a:latin typeface="Times New Roman" panose="02020603050405020304" pitchFamily="18" charset="0"/>
+                <a:cs typeface="Times New Roman" panose="02020603050405020304" pitchFamily="18" charset="0"/>
+              </a:rPr>
+              <a:t>ErA under </a:t>
+            </a:r>
+            <a:br>
+              <a:rPr kumimoji="1" lang="en-US" altLang="ja-JP" dirty="0">
+                <a:solidFill>
+                  <a:schemeClr val="tx1"/>
+                </a:solidFill>
+                <a:latin typeface="Times New Roman" panose="02020603050405020304" pitchFamily="18" charset="0"/>
+                <a:cs typeface="Times New Roman" panose="02020603050405020304" pitchFamily="18" charset="0"/>
+              </a:rPr>
+            </a:br>
+            <a:r>
+              <a:rPr kumimoji="1" lang="en-US" altLang="ja-JP" dirty="0">
+                <a:solidFill>
+                  <a:schemeClr val="tx1"/>
+                </a:solidFill>
+                <a:latin typeface="Times New Roman" panose="02020603050405020304" pitchFamily="18" charset="0"/>
+                <a:cs typeface="Times New Roman" panose="02020603050405020304" pitchFamily="18" charset="0"/>
+              </a:rPr>
+              <a:t>SLR 1.0 event</a:t>
+            </a:r>
+            <a:endParaRPr kumimoji="1" lang="ja-JP" altLang="en-US">
+              <a:solidFill>
+                <a:schemeClr val="tx1"/>
+              </a:solidFill>
+              <a:latin typeface="Times New Roman" panose="02020603050405020304" pitchFamily="18" charset="0"/>
+              <a:cs typeface="Times New Roman" panose="02020603050405020304" pitchFamily="18" charset="0"/>
+            </a:endParaRPr>
+          </a:p>
+        </p:txBody>
+      </p:sp>
+      <p:sp>
+        <p:nvSpPr>
+          <p:cNvPr id="7" name="Rounded Rectangle 6">
+            <a:extLst>
+              <a:ext uri="{FF2B5EF4-FFF2-40B4-BE49-F238E27FC236}">
+                <a16:creationId xmlns:a16="http://schemas.microsoft.com/office/drawing/2014/main" id="{294DC0EC-F1CB-0F43-B3D5-529D6BAC2226}"/>
+              </a:ext>
+            </a:extLst>
+          </p:cNvPr>
+          <p:cNvSpPr/>
+          <p:nvPr/>
+        </p:nvSpPr>
+        <p:spPr>
+          <a:xfrm>
+            <a:off x="7946573" y="2318652"/>
+            <a:ext cx="1654628" cy="1121227"/>
+          </a:xfrm>
+          <a:prstGeom prst="roundRect">
+            <a:avLst/>
+          </a:prstGeom>
+          <a:noFill/>
+          <a:ln w="38100">
+            <a:solidFill>
+              <a:schemeClr val="tx1"/>
+            </a:solidFill>
+            <a:prstDash val="sysDot"/>
+          </a:ln>
+        </p:spPr>
+        <p:style>
+          <a:lnRef idx="2">
+            <a:schemeClr val="accent1">
+              <a:shade val="50000"/>
+            </a:schemeClr>
+          </a:lnRef>
+          <a:fillRef idx="1">
+            <a:schemeClr val="accent1"/>
+          </a:fillRef>
+          <a:effectRef idx="0">
+            <a:schemeClr val="accent1"/>
+          </a:effectRef>
+          <a:fontRef idx="minor">
+            <a:schemeClr val="lt1"/>
+          </a:fontRef>
+        </p:style>
+        <p:txBody>
+          <a:bodyPr rtlCol="0" anchor="ctr"/>
+          <a:lstStyle/>
+          <a:p>
+            <a:pPr algn="ctr"/>
+            <a:r>
+              <a:rPr kumimoji="1" lang="en-US" altLang="ja-JP" dirty="0">
+                <a:solidFill>
+                  <a:schemeClr val="tx1"/>
+                </a:solidFill>
+                <a:latin typeface="Times New Roman" panose="02020603050405020304" pitchFamily="18" charset="0"/>
+                <a:cs typeface="Times New Roman" panose="02020603050405020304" pitchFamily="18" charset="0"/>
+              </a:rPr>
+              <a:t>ErA under </a:t>
+            </a:r>
+            <a:br>
+              <a:rPr kumimoji="1" lang="en-US" altLang="ja-JP" dirty="0">
+                <a:solidFill>
+                  <a:schemeClr val="tx1"/>
+                </a:solidFill>
+                <a:latin typeface="Times New Roman" panose="02020603050405020304" pitchFamily="18" charset="0"/>
+                <a:cs typeface="Times New Roman" panose="02020603050405020304" pitchFamily="18" charset="0"/>
+              </a:rPr>
+            </a:br>
+            <a:r>
+              <a:rPr kumimoji="1" lang="en-US" altLang="ja-JP" dirty="0">
+                <a:solidFill>
+                  <a:schemeClr val="tx1"/>
+                </a:solidFill>
+                <a:latin typeface="Times New Roman" panose="02020603050405020304" pitchFamily="18" charset="0"/>
+                <a:cs typeface="Times New Roman" panose="02020603050405020304" pitchFamily="18" charset="0"/>
+              </a:rPr>
+              <a:t>SLR 2.0 event</a:t>
+            </a:r>
+            <a:endParaRPr kumimoji="1" lang="ja-JP" altLang="en-US">
+              <a:solidFill>
+                <a:schemeClr val="tx1"/>
+              </a:solidFill>
+              <a:latin typeface="Times New Roman" panose="02020603050405020304" pitchFamily="18" charset="0"/>
+              <a:cs typeface="Times New Roman" panose="02020603050405020304" pitchFamily="18" charset="0"/>
+            </a:endParaRPr>
+          </a:p>
+        </p:txBody>
+      </p:sp>
+      <p:sp>
+        <p:nvSpPr>
+          <p:cNvPr id="8" name="Rounded Rectangle 7">
+            <a:extLst>
+              <a:ext uri="{FF2B5EF4-FFF2-40B4-BE49-F238E27FC236}">
+                <a16:creationId xmlns:a16="http://schemas.microsoft.com/office/drawing/2014/main" id="{FA47F38C-5271-5B41-9228-53A1BE524BCC}"/>
+              </a:ext>
+            </a:extLst>
+          </p:cNvPr>
+          <p:cNvSpPr/>
+          <p:nvPr/>
+        </p:nvSpPr>
+        <p:spPr>
+          <a:xfrm>
+            <a:off x="2198915" y="3951507"/>
+            <a:ext cx="1654628" cy="1121227"/>
+          </a:xfrm>
+          <a:prstGeom prst="roundRect">
+            <a:avLst/>
+          </a:prstGeom>
+          <a:noFill/>
+          <a:ln w="38100">
+            <a:solidFill>
+              <a:schemeClr val="tx1"/>
+            </a:solidFill>
+            <a:prstDash val="sysDot"/>
+          </a:ln>
+        </p:spPr>
+        <p:style>
+          <a:lnRef idx="2">
+            <a:schemeClr val="accent1">
+              <a:shade val="50000"/>
+            </a:schemeClr>
+          </a:lnRef>
+          <a:fillRef idx="1">
+            <a:schemeClr val="accent1"/>
+          </a:fillRef>
+          <a:effectRef idx="0">
+            <a:schemeClr val="accent1"/>
+          </a:effectRef>
+          <a:fontRef idx="minor">
+            <a:schemeClr val="lt1"/>
+          </a:fontRef>
+        </p:style>
+        <p:txBody>
+          <a:bodyPr rtlCol="0" anchor="ctr"/>
+          <a:lstStyle/>
+          <a:p>
+            <a:pPr algn="ctr"/>
+            <a:r>
+              <a:rPr kumimoji="1" lang="en-US" altLang="ja-JP" dirty="0">
+                <a:solidFill>
+                  <a:schemeClr val="tx1"/>
+                </a:solidFill>
+                <a:latin typeface="Times New Roman" panose="02020603050405020304" pitchFamily="18" charset="0"/>
+                <a:cs typeface="Times New Roman" panose="02020603050405020304" pitchFamily="18" charset="0"/>
+              </a:rPr>
+              <a:t>IrA under </a:t>
+            </a:r>
+            <a:br>
+              <a:rPr kumimoji="1" lang="en-US" altLang="ja-JP" dirty="0">
+                <a:solidFill>
+                  <a:schemeClr val="tx1"/>
+                </a:solidFill>
+                <a:latin typeface="Times New Roman" panose="02020603050405020304" pitchFamily="18" charset="0"/>
+                <a:cs typeface="Times New Roman" panose="02020603050405020304" pitchFamily="18" charset="0"/>
+              </a:rPr>
+            </a:br>
+            <a:r>
+              <a:rPr kumimoji="1" lang="en-US" altLang="ja-JP" dirty="0">
+                <a:solidFill>
+                  <a:schemeClr val="tx1"/>
+                </a:solidFill>
+                <a:latin typeface="Times New Roman" panose="02020603050405020304" pitchFamily="18" charset="0"/>
+                <a:cs typeface="Times New Roman" panose="02020603050405020304" pitchFamily="18" charset="0"/>
+              </a:rPr>
+              <a:t>SLR 0.0 event</a:t>
+            </a:r>
+            <a:endParaRPr kumimoji="1" lang="ja-JP" altLang="en-US">
+              <a:solidFill>
+                <a:schemeClr val="tx1"/>
+              </a:solidFill>
+              <a:latin typeface="Times New Roman" panose="02020603050405020304" pitchFamily="18" charset="0"/>
+              <a:cs typeface="Times New Roman" panose="02020603050405020304" pitchFamily="18" charset="0"/>
+            </a:endParaRPr>
+          </a:p>
+        </p:txBody>
+      </p:sp>
+      <p:sp>
+        <p:nvSpPr>
+          <p:cNvPr id="9" name="Rounded Rectangle 8">
+            <a:extLst>
+              <a:ext uri="{FF2B5EF4-FFF2-40B4-BE49-F238E27FC236}">
+                <a16:creationId xmlns:a16="http://schemas.microsoft.com/office/drawing/2014/main" id="{AA5BE028-9A84-EA40-8914-80AC4BA716CF}"/>
+              </a:ext>
+            </a:extLst>
+          </p:cNvPr>
+          <p:cNvSpPr/>
+          <p:nvPr/>
+        </p:nvSpPr>
+        <p:spPr>
+          <a:xfrm>
+            <a:off x="4114801" y="3951507"/>
+            <a:ext cx="1654628" cy="1121227"/>
+          </a:xfrm>
+          <a:prstGeom prst="roundRect">
+            <a:avLst/>
+          </a:prstGeom>
+          <a:noFill/>
+          <a:ln w="38100">
+            <a:solidFill>
+              <a:schemeClr val="tx1"/>
+            </a:solidFill>
+            <a:prstDash val="sysDot"/>
+          </a:ln>
+        </p:spPr>
+        <p:style>
+          <a:lnRef idx="2">
+            <a:schemeClr val="accent1">
+              <a:shade val="50000"/>
+            </a:schemeClr>
+          </a:lnRef>
+          <a:fillRef idx="1">
+            <a:schemeClr val="accent1"/>
+          </a:fillRef>
+          <a:effectRef idx="0">
+            <a:schemeClr val="accent1"/>
+          </a:effectRef>
+          <a:fontRef idx="minor">
+            <a:schemeClr val="lt1"/>
+          </a:fontRef>
+        </p:style>
+        <p:txBody>
+          <a:bodyPr rtlCol="0" anchor="ctr"/>
+          <a:lstStyle/>
+          <a:p>
+            <a:pPr algn="ctr"/>
+            <a:r>
+              <a:rPr kumimoji="1" lang="en-US" altLang="ja-JP" dirty="0">
+                <a:solidFill>
+                  <a:schemeClr val="tx1"/>
+                </a:solidFill>
+                <a:latin typeface="Times New Roman" panose="02020603050405020304" pitchFamily="18" charset="0"/>
+                <a:cs typeface="Times New Roman" panose="02020603050405020304" pitchFamily="18" charset="0"/>
+              </a:rPr>
+              <a:t>IrA under </a:t>
+            </a:r>
+            <a:br>
+              <a:rPr kumimoji="1" lang="en-US" altLang="ja-JP" dirty="0">
+                <a:solidFill>
+                  <a:schemeClr val="tx1"/>
+                </a:solidFill>
+                <a:latin typeface="Times New Roman" panose="02020603050405020304" pitchFamily="18" charset="0"/>
+                <a:cs typeface="Times New Roman" panose="02020603050405020304" pitchFamily="18" charset="0"/>
+              </a:rPr>
+            </a:br>
+            <a:r>
+              <a:rPr kumimoji="1" lang="en-US" altLang="ja-JP" dirty="0">
+                <a:solidFill>
+                  <a:schemeClr val="tx1"/>
+                </a:solidFill>
+                <a:latin typeface="Times New Roman" panose="02020603050405020304" pitchFamily="18" charset="0"/>
+                <a:cs typeface="Times New Roman" panose="02020603050405020304" pitchFamily="18" charset="0"/>
+              </a:rPr>
+              <a:t>SLR 0.3 event</a:t>
+            </a:r>
+            <a:endParaRPr kumimoji="1" lang="ja-JP" altLang="en-US">
+              <a:solidFill>
+                <a:schemeClr val="tx1"/>
+              </a:solidFill>
+              <a:latin typeface="Times New Roman" panose="02020603050405020304" pitchFamily="18" charset="0"/>
+              <a:cs typeface="Times New Roman" panose="02020603050405020304" pitchFamily="18" charset="0"/>
+            </a:endParaRPr>
+          </a:p>
+        </p:txBody>
+      </p:sp>
+      <p:sp>
+        <p:nvSpPr>
+          <p:cNvPr id="10" name="Rounded Rectangle 9">
+            <a:extLst>
+              <a:ext uri="{FF2B5EF4-FFF2-40B4-BE49-F238E27FC236}">
+                <a16:creationId xmlns:a16="http://schemas.microsoft.com/office/drawing/2014/main" id="{0D6911FB-E644-8F45-933C-71309A9126E5}"/>
+              </a:ext>
+            </a:extLst>
+          </p:cNvPr>
+          <p:cNvSpPr/>
+          <p:nvPr/>
+        </p:nvSpPr>
+        <p:spPr>
+          <a:xfrm>
+            <a:off x="6030687" y="3951507"/>
+            <a:ext cx="1654628" cy="1121227"/>
+          </a:xfrm>
+          <a:prstGeom prst="roundRect">
+            <a:avLst/>
+          </a:prstGeom>
+          <a:noFill/>
+          <a:ln w="38100">
+            <a:solidFill>
+              <a:schemeClr val="tx1"/>
+            </a:solidFill>
+            <a:prstDash val="sysDot"/>
+          </a:ln>
+        </p:spPr>
+        <p:style>
+          <a:lnRef idx="2">
+            <a:schemeClr val="accent1">
+              <a:shade val="50000"/>
+            </a:schemeClr>
+          </a:lnRef>
+          <a:fillRef idx="1">
+            <a:schemeClr val="accent1"/>
+          </a:fillRef>
+          <a:effectRef idx="0">
+            <a:schemeClr val="accent1"/>
+          </a:effectRef>
+          <a:fontRef idx="minor">
+            <a:schemeClr val="lt1"/>
+          </a:fontRef>
+        </p:style>
+        <p:txBody>
+          <a:bodyPr rtlCol="0" anchor="ctr"/>
+          <a:lstStyle/>
+          <a:p>
+            <a:pPr algn="ctr"/>
+            <a:r>
+              <a:rPr kumimoji="1" lang="en-US" altLang="ja-JP" dirty="0">
+                <a:solidFill>
+                  <a:schemeClr val="tx1"/>
+                </a:solidFill>
+                <a:latin typeface="Times New Roman" panose="02020603050405020304" pitchFamily="18" charset="0"/>
+                <a:cs typeface="Times New Roman" panose="02020603050405020304" pitchFamily="18" charset="0"/>
+              </a:rPr>
+              <a:t>IrA under </a:t>
+            </a:r>
+            <a:br>
+              <a:rPr kumimoji="1" lang="en-US" altLang="ja-JP" dirty="0">
+                <a:solidFill>
+                  <a:schemeClr val="tx1"/>
+                </a:solidFill>
+                <a:latin typeface="Times New Roman" panose="02020603050405020304" pitchFamily="18" charset="0"/>
+                <a:cs typeface="Times New Roman" panose="02020603050405020304" pitchFamily="18" charset="0"/>
+              </a:rPr>
+            </a:br>
+            <a:r>
+              <a:rPr kumimoji="1" lang="en-US" altLang="ja-JP" dirty="0">
+                <a:solidFill>
+                  <a:schemeClr val="tx1"/>
+                </a:solidFill>
+                <a:latin typeface="Times New Roman" panose="02020603050405020304" pitchFamily="18" charset="0"/>
+                <a:cs typeface="Times New Roman" panose="02020603050405020304" pitchFamily="18" charset="0"/>
+              </a:rPr>
+              <a:t>SLR 1.0 event</a:t>
+            </a:r>
+            <a:endParaRPr kumimoji="1" lang="ja-JP" altLang="en-US">
+              <a:solidFill>
+                <a:schemeClr val="tx1"/>
+              </a:solidFill>
+              <a:latin typeface="Times New Roman" panose="02020603050405020304" pitchFamily="18" charset="0"/>
+              <a:cs typeface="Times New Roman" panose="02020603050405020304" pitchFamily="18" charset="0"/>
+            </a:endParaRPr>
+          </a:p>
+        </p:txBody>
+      </p:sp>
+      <p:sp>
+        <p:nvSpPr>
+          <p:cNvPr id="11" name="Rounded Rectangle 10">
+            <a:extLst>
+              <a:ext uri="{FF2B5EF4-FFF2-40B4-BE49-F238E27FC236}">
+                <a16:creationId xmlns:a16="http://schemas.microsoft.com/office/drawing/2014/main" id="{2EC8793B-CA1C-8942-BDEB-C1F4A439AF37}"/>
+              </a:ext>
+            </a:extLst>
+          </p:cNvPr>
+          <p:cNvSpPr/>
+          <p:nvPr/>
+        </p:nvSpPr>
+        <p:spPr>
+          <a:xfrm>
+            <a:off x="7946573" y="3951507"/>
+            <a:ext cx="1654628" cy="1121227"/>
+          </a:xfrm>
+          <a:prstGeom prst="roundRect">
+            <a:avLst/>
+          </a:prstGeom>
+          <a:noFill/>
+          <a:ln w="38100">
+            <a:solidFill>
+              <a:schemeClr val="tx1"/>
+            </a:solidFill>
+            <a:prstDash val="sysDot"/>
+          </a:ln>
+        </p:spPr>
+        <p:style>
+          <a:lnRef idx="2">
+            <a:schemeClr val="accent1">
+              <a:shade val="50000"/>
+            </a:schemeClr>
+          </a:lnRef>
+          <a:fillRef idx="1">
+            <a:schemeClr val="accent1"/>
+          </a:fillRef>
+          <a:effectRef idx="0">
+            <a:schemeClr val="accent1"/>
+          </a:effectRef>
+          <a:fontRef idx="minor">
+            <a:schemeClr val="lt1"/>
+          </a:fontRef>
+        </p:style>
+        <p:txBody>
+          <a:bodyPr rtlCol="0" anchor="ctr"/>
+          <a:lstStyle/>
+          <a:p>
+            <a:pPr algn="ctr"/>
+            <a:r>
+              <a:rPr kumimoji="1" lang="en-US" altLang="ja-JP" dirty="0">
+                <a:solidFill>
+                  <a:schemeClr val="tx1"/>
+                </a:solidFill>
+                <a:latin typeface="Times New Roman" panose="02020603050405020304" pitchFamily="18" charset="0"/>
+                <a:cs typeface="Times New Roman" panose="02020603050405020304" pitchFamily="18" charset="0"/>
+              </a:rPr>
+              <a:t>IrA under </a:t>
+            </a:r>
+            <a:br>
+              <a:rPr kumimoji="1" lang="en-US" altLang="ja-JP" dirty="0">
+                <a:solidFill>
+                  <a:schemeClr val="tx1"/>
+                </a:solidFill>
+                <a:latin typeface="Times New Roman" panose="02020603050405020304" pitchFamily="18" charset="0"/>
+                <a:cs typeface="Times New Roman" panose="02020603050405020304" pitchFamily="18" charset="0"/>
+              </a:rPr>
+            </a:br>
+            <a:r>
+              <a:rPr kumimoji="1" lang="en-US" altLang="ja-JP" dirty="0">
+                <a:solidFill>
+                  <a:schemeClr val="tx1"/>
+                </a:solidFill>
+                <a:latin typeface="Times New Roman" panose="02020603050405020304" pitchFamily="18" charset="0"/>
+                <a:cs typeface="Times New Roman" panose="02020603050405020304" pitchFamily="18" charset="0"/>
+              </a:rPr>
+              <a:t>SLR 2.0 event</a:t>
+            </a:r>
+            <a:endParaRPr kumimoji="1" lang="ja-JP" altLang="en-US">
+              <a:solidFill>
+                <a:schemeClr val="tx1"/>
+              </a:solidFill>
+              <a:latin typeface="Times New Roman" panose="02020603050405020304" pitchFamily="18" charset="0"/>
+              <a:cs typeface="Times New Roman" panose="02020603050405020304" pitchFamily="18" charset="0"/>
+            </a:endParaRPr>
+          </a:p>
+        </p:txBody>
+      </p:sp>
+      <p:cxnSp>
+        <p:nvCxnSpPr>
+          <p:cNvPr id="15" name="Straight Connector 14">
+            <a:extLst>
+              <a:ext uri="{FF2B5EF4-FFF2-40B4-BE49-F238E27FC236}">
+                <a16:creationId xmlns:a16="http://schemas.microsoft.com/office/drawing/2014/main" id="{8806C2B3-EAC4-5140-95E7-6C65808CBA3D}"/>
+              </a:ext>
+            </a:extLst>
+          </p:cNvPr>
+          <p:cNvCxnSpPr>
+            <a:cxnSpLocks/>
+          </p:cNvCxnSpPr>
+          <p:nvPr/>
+        </p:nvCxnSpPr>
+        <p:spPr>
+          <a:xfrm>
+            <a:off x="2002971" y="2144486"/>
+            <a:ext cx="0" cy="3113314"/>
+          </a:xfrm>
+          <a:prstGeom prst="line">
+            <a:avLst/>
+          </a:prstGeom>
+          <a:ln w="38100">
+            <a:headEnd type="none" w="med" len="med"/>
+            <a:tailEnd type="none" w="med" len="med"/>
+          </a:ln>
+        </p:spPr>
+        <p:style>
+          <a:lnRef idx="1">
+            <a:schemeClr val="dk1"/>
+          </a:lnRef>
+          <a:fillRef idx="0">
+            <a:schemeClr val="dk1"/>
+          </a:fillRef>
+          <a:effectRef idx="0">
+            <a:schemeClr val="dk1"/>
+          </a:effectRef>
+          <a:fontRef idx="minor">
+            <a:schemeClr val="tx1"/>
+          </a:fontRef>
+        </p:style>
+      </p:cxnSp>
+    </p:spTree>
+    <p:extLst>
+      <p:ext uri="{BB962C8B-B14F-4D97-AF65-F5344CB8AC3E}">
+        <p14:creationId xmlns:p14="http://schemas.microsoft.com/office/powerpoint/2010/main" val="1328028349"/>
+      </p:ext>
+    </p:extLst>
+  </p:cSld>
+  <p:clrMapOvr>
+    <a:masterClrMapping/>
+  </p:clrMapOvr>
+</p:sld>
+</file>
+
 <file path=ppt/theme/theme1.xml><?xml version="1.0" encoding="utf-8"?>
 <a:theme xmlns:a="http://schemas.openxmlformats.org/drawingml/2006/main" name="Office Theme">
   <a:themeElements>
